--- a/poster_showcase/research_poster_2022.pptx
+++ b/poster_showcase/research_poster_2022.pptx
@@ -222,7 +222,7 @@
             <a:fld id="{E9F3A7FF-300E-B84F-A2D0-CDCDE713DCB9}" type="datetimeFigureOut">
               <a:rPr lang="en-US" smtClean="0"/>
               <a:pPr/>
-              <a:t>8/6/2022</a:t>
+              <a:t>8/18/2022</a:t>
             </a:fld>
             <a:endParaRPr lang="en-US" dirty="0"/>
           </a:p>
@@ -3903,7 +3903,7 @@
           <p:nvPr>
             <p:extLst>
               <p:ext uri="{D42A27DB-BD31-4B8C-83A1-F6EECF244321}">
-                <p14:modId xmlns:p14="http://schemas.microsoft.com/office/powerpoint/2010/main" val="1710301564"/>
+                <p14:modId xmlns:p14="http://schemas.microsoft.com/office/powerpoint/2010/main" val="395854334"/>
               </p:ext>
             </p:extLst>
           </p:nvPr>
@@ -4052,7 +4052,7 @@
                             </a:schemeClr>
                           </a:solidFill>
                         </a:rPr>
-                        <a:t>Train CRF using one global training set</a:t>
+                        <a:t>Train CRF with only POS tags when training set is big</a:t>
                       </a:r>
                     </a:p>
                     <a:p>
@@ -4074,8 +4074,59 @@
                             </a:schemeClr>
                           </a:solidFill>
                         </a:rPr>
-                        <a:t>Provides a more generalized learning outcome so that CRF can be scalable and used on other datasets</a:t>
-                      </a:r>
+                        <a:t>Bigger training sets have repeated words</a:t>
+                      </a:r>
+                    </a:p>
+                    <a:p>
+                      <a:pPr marL="685800" lvl="1" indent="-342900">
+                        <a:lnSpc>
+                          <a:spcPct val="125000"/>
+                        </a:lnSpc>
+                        <a:buClr>
+                          <a:schemeClr val="accent1"/>
+                        </a:buClr>
+                        <a:buFont typeface="Wingdings" pitchFamily="2" charset="2"/>
+                        <a:buChar char="§"/>
+                      </a:pPr>
+                      <a:r>
+                        <a:rPr lang="en-US" sz="2000" dirty="0">
+                          <a:solidFill>
+                            <a:schemeClr val="tx1">
+                              <a:lumMod val="50000"/>
+                            </a:schemeClr>
+                          </a:solidFill>
+                        </a:rPr>
+                        <a:t>To scale CRF, we want to avoid word </a:t>
+                      </a:r>
+                    </a:p>
+                    <a:p>
+                      <a:pPr marL="342900" lvl="1" indent="0">
+                        <a:lnSpc>
+                          <a:spcPct val="125000"/>
+                        </a:lnSpc>
+                        <a:buClr>
+                          <a:schemeClr val="accent1"/>
+                        </a:buClr>
+                        <a:buFont typeface="Wingdings" pitchFamily="2" charset="2"/>
+                        <a:buNone/>
+                      </a:pPr>
+                      <a:r>
+                        <a:rPr lang="en-US" sz="2000">
+                          <a:solidFill>
+                            <a:schemeClr val="tx1">
+                              <a:lumMod val="50000"/>
+                            </a:schemeClr>
+                          </a:solidFill>
+                        </a:rPr>
+                        <a:t>     dependencies</a:t>
+                      </a:r>
+                      <a:endParaRPr lang="en-US" sz="2000" dirty="0">
+                        <a:solidFill>
+                          <a:schemeClr val="tx1">
+                            <a:lumMod val="50000"/>
+                          </a:schemeClr>
+                        </a:solidFill>
+                      </a:endParaRPr>
                     </a:p>
                     <a:p>
                       <a:pPr marL="342900" lvl="0" indent="-342900">
@@ -4177,14 +4228,14 @@
           <p:nvPr>
             <p:extLst>
               <p:ext uri="{D42A27DB-BD31-4B8C-83A1-F6EECF244321}">
-                <p14:modId xmlns:p14="http://schemas.microsoft.com/office/powerpoint/2010/main" val="3006665256"/>
+                <p14:modId xmlns:p14="http://schemas.microsoft.com/office/powerpoint/2010/main" val="3118244103"/>
               </p:ext>
             </p:extLst>
           </p:nvPr>
         </p:nvGraphicFramePr>
         <p:xfrm>
           <a:off x="475488" y="26536685"/>
-          <a:ext cx="6729984" cy="5441188"/>
+          <a:ext cx="6729984" cy="4298188"/>
         </p:xfrm>
         <a:graphic>
           <a:graphicData uri="http://schemas.openxmlformats.org/drawingml/2006/table">
@@ -4304,73 +4355,7 @@
                             </a:schemeClr>
                           </a:solidFill>
                         </a:rPr>
-                        <a:t>Optimize CRF parameters</a:t>
-                      </a:r>
-                    </a:p>
-                    <a:p>
-                      <a:pPr marL="342900" indent="-342900">
-                        <a:lnSpc>
-                          <a:spcPct val="125000"/>
-                        </a:lnSpc>
-                        <a:buClr>
-                          <a:schemeClr val="accent1"/>
-                        </a:buClr>
-                        <a:buFont typeface="Wingdings" pitchFamily="2" charset="2"/>
-                        <a:buChar char="§"/>
-                      </a:pPr>
-                      <a:r>
-                        <a:rPr lang="en-US" sz="2000" dirty="0">
-                          <a:solidFill>
-                            <a:schemeClr val="tx1">
-                              <a:lumMod val="50000"/>
-                            </a:schemeClr>
-                          </a:solidFill>
-                        </a:rPr>
-                        <a:t>Adjust CRF features to generalize learning outcomes</a:t>
-                      </a:r>
-                    </a:p>
-                    <a:p>
-                      <a:pPr marL="342900" indent="-342900">
-                        <a:lnSpc>
-                          <a:spcPct val="125000"/>
-                        </a:lnSpc>
-                        <a:buClr>
-                          <a:schemeClr val="accent1"/>
-                        </a:buClr>
-                        <a:buFont typeface="Wingdings" pitchFamily="2" charset="2"/>
-                        <a:buChar char="§"/>
-                      </a:pPr>
-                      <a:r>
-                        <a:rPr lang="en-US" sz="2000" dirty="0">
-                          <a:solidFill>
-                            <a:schemeClr val="tx1">
-                              <a:lumMod val="50000"/>
-                            </a:schemeClr>
-                          </a:solidFill>
-                        </a:rPr>
                         <a:t>Evaluate CRF trained models on new datasets</a:t>
-                      </a:r>
-                    </a:p>
-                    <a:p>
-                      <a:pPr marL="342900" indent="-342900">
-                        <a:lnSpc>
-                          <a:spcPct val="125000"/>
-                        </a:lnSpc>
-                        <a:buClr>
-                          <a:schemeClr val="accent1"/>
-                        </a:buClr>
-                        <a:buFont typeface="Wingdings" pitchFamily="2" charset="2"/>
-                        <a:buChar char="§"/>
-                      </a:pPr>
-                      <a:r>
-                        <a:rPr lang="en-US" sz="2000" dirty="0">
-                          <a:solidFill>
-                            <a:schemeClr val="tx1">
-                              <a:lumMod val="50000"/>
-                            </a:schemeClr>
-                          </a:solidFill>
-                        </a:rPr>
-                        <a:t>Fully automate python scripts</a:t>
                       </a:r>
                     </a:p>
                     <a:p>
@@ -8870,7 +8855,7 @@
           </p:grpSpPr>
           <p:pic>
             <p:nvPicPr>
-              <p:cNvPr id="47" name="Picture 46" descr="Chart, bar chart&#10;&#10;Description automatically generated">
+              <p:cNvPr id="47" name="Picture 46">
                 <a:extLst>
                   <a:ext uri="{FF2B5EF4-FFF2-40B4-BE49-F238E27FC236}">
                     <a16:creationId xmlns:a16="http://schemas.microsoft.com/office/drawing/2014/main" id="{4CD772F2-470C-3F2F-138A-0FC2028F7B64}"/>
@@ -8882,9 +8867,9 @@
               </p:cNvPicPr>
               <p:nvPr/>
             </p:nvPicPr>
-            <p:blipFill rotWithShape="1">
+            <p:blipFill>
               <a:blip r:embed="rId11"/>
-              <a:srcRect l="975" t="1771" r="618" b="753"/>
+              <a:srcRect t="473" b="473"/>
               <a:stretch/>
             </p:blipFill>
             <p:spPr>
@@ -8968,7 +8953,7 @@
           </p:grpSpPr>
           <p:pic>
             <p:nvPicPr>
-              <p:cNvPr id="66" name="Picture 65" descr="Chart, bar chart&#10;&#10;Description automatically generated">
+              <p:cNvPr id="66" name="Picture 65">
                 <a:extLst>
                   <a:ext uri="{FF2B5EF4-FFF2-40B4-BE49-F238E27FC236}">
                     <a16:creationId xmlns:a16="http://schemas.microsoft.com/office/drawing/2014/main" id="{8A090383-A687-C78F-2CE3-40F496E9FBC3}"/>
@@ -8980,9 +8965,9 @@
               </p:cNvPicPr>
               <p:nvPr/>
             </p:nvPicPr>
-            <p:blipFill rotWithShape="1">
+            <p:blipFill>
               <a:blip r:embed="rId12"/>
-              <a:srcRect l="1185" t="1876" r="584" b="920"/>
+              <a:srcRect t="522" b="522"/>
               <a:stretch/>
             </p:blipFill>
             <p:spPr>
@@ -9070,7 +9055,7 @@
         </p:grpSpPr>
         <p:pic>
           <p:nvPicPr>
-            <p:cNvPr id="80" name="Picture 79" descr="Chart, bar chart&#10;&#10;Description automatically generated">
+            <p:cNvPr id="80" name="Picture 79">
               <a:extLst>
                 <a:ext uri="{FF2B5EF4-FFF2-40B4-BE49-F238E27FC236}">
                   <a16:creationId xmlns:a16="http://schemas.microsoft.com/office/drawing/2014/main" id="{8E61A6CB-564F-8792-1714-F78AB7A32D35}"/>
@@ -9082,9 +9067,9 @@
             </p:cNvPicPr>
             <p:nvPr/>
           </p:nvPicPr>
-          <p:blipFill rotWithShape="1">
+          <p:blipFill>
             <a:blip r:embed="rId13"/>
-            <a:srcRect l="829" t="2126" r="642" b="839"/>
+            <a:srcRect t="758" b="758"/>
             <a:stretch/>
           </p:blipFill>
           <p:spPr>

--- a/poster_showcase/research_poster_2022.pptx
+++ b/poster_showcase/research_poster_2022.pptx
@@ -222,7 +222,7 @@
             <a:fld id="{E9F3A7FF-300E-B84F-A2D0-CDCDE713DCB9}" type="datetimeFigureOut">
               <a:rPr lang="en-US" smtClean="0"/>
               <a:pPr/>
-              <a:t>8/18/2022</a:t>
+              <a:t>8/19/2022</a:t>
             </a:fld>
             <a:endParaRPr lang="en-US" dirty="0"/>
           </a:p>
@@ -3903,14 +3903,14 @@
           <p:nvPr>
             <p:extLst>
               <p:ext uri="{D42A27DB-BD31-4B8C-83A1-F6EECF244321}">
-                <p14:modId xmlns:p14="http://schemas.microsoft.com/office/powerpoint/2010/main" val="395854334"/>
+                <p14:modId xmlns:p14="http://schemas.microsoft.com/office/powerpoint/2010/main" val="1793576707"/>
               </p:ext>
             </p:extLst>
           </p:nvPr>
         </p:nvGraphicFramePr>
         <p:xfrm>
           <a:off x="14680586" y="21763553"/>
-          <a:ext cx="6729984" cy="4366959"/>
+          <a:ext cx="6789526" cy="4366959"/>
         </p:xfrm>
         <a:graphic>
           <a:graphicData uri="http://schemas.openxmlformats.org/drawingml/2006/table">
@@ -3919,7 +3919,7 @@
                 <a:tableStyleId>{5C22544A-7EE6-4342-B048-85BDC9FD1C3A}</a:tableStyleId>
               </a:tblPr>
               <a:tblGrid>
-                <a:gridCol w="6729984">
+                <a:gridCol w="6789526">
                   <a:extLst>
                     <a:ext uri="{9D8B030D-6E8A-4147-A177-3AD203B41FA5}">
                       <a16:colId xmlns:a16="http://schemas.microsoft.com/office/drawing/2014/main" val="2830894522"/>
@@ -4052,7 +4052,7 @@
                             </a:schemeClr>
                           </a:solidFill>
                         </a:rPr>
-                        <a:t>Train CRF with only POS tags when training set is big</a:t>
+                        <a:t>Train CRF with only POS tags when training set is large</a:t>
                       </a:r>
                     </a:p>
                     <a:p>
@@ -4074,7 +4074,7 @@
                             </a:schemeClr>
                           </a:solidFill>
                         </a:rPr>
-                        <a:t>Bigger training sets have repeated words</a:t>
+                        <a:t>Larger training sets have repeated words</a:t>
                       </a:r>
                     </a:p>
                     <a:p>
@@ -4111,7 +4111,7 @@
                         <a:buNone/>
                       </a:pPr>
                       <a:r>
-                        <a:rPr lang="en-US" sz="2000">
+                        <a:rPr lang="en-US" sz="2000" dirty="0">
                           <a:solidFill>
                             <a:schemeClr val="tx1">
                               <a:lumMod val="50000"/>
@@ -4120,13 +4120,6 @@
                         </a:rPr>
                         <a:t>     dependencies</a:t>
                       </a:r>
-                      <a:endParaRPr lang="en-US" sz="2000" dirty="0">
-                        <a:solidFill>
-                          <a:schemeClr val="tx1">
-                            <a:lumMod val="50000"/>
-                          </a:schemeClr>
-                        </a:solidFill>
-                      </a:endParaRPr>
                     </a:p>
                     <a:p>
                       <a:pPr marL="342900" lvl="0" indent="-342900">
